--- a/AIEdge_Groepsproject_presentatie.pptx
+++ b/AIEdge_Groepsproject_presentatie.pptx
@@ -137,6 +137,11 @@
       </a:defRPr>
     </a:lvl9pPr>
   </p:defaultTextStyle>
+  <p:extLst>
+    <p:ext uri="{EFAFB233-063F-42B5-8137-9DF3F51BA10A}">
+      <p15:sldGuideLst xmlns:p15="http://schemas.microsoft.com/office/powerpoint/2012/main"/>
+    </p:ext>
+  </p:extLst>
 </p:presentation>
 </file>
 
@@ -33501,7 +33506,7 @@
               </a:tabLst>
             </a:pPr>
             <a:r>
-              <a:rPr lang="nl-BE" sz="4400" b="0" u="none" strike="noStrike">
+              <a:rPr lang="nl-BE" sz="4400" b="0" u="none" strike="noStrike" dirty="0">
                 <a:solidFill>
                   <a:srgbClr val="191B0E"/>
                 </a:solidFill>
@@ -33510,7 +33515,7 @@
               </a:rPr>
               <a:t>Demo + conclusie</a:t>
             </a:r>
-            <a:endParaRPr lang="en-US" sz="4400" b="0" u="none" strike="noStrike">
+            <a:endParaRPr lang="en-US" sz="4400" b="0" u="none" strike="noStrike" dirty="0">
               <a:solidFill>
                 <a:srgbClr val="000000"/>
               </a:solidFill>
@@ -33565,17 +33570,7 @@
               <a:buFont typeface="Franklin Gothic Book"/>
               <a:buChar char="■"/>
             </a:pPr>
-            <a:r>
-              <a:rPr lang="nl-BE" sz="2000" b="0" u="none" strike="noStrike">
-                <a:solidFill>
-                  <a:srgbClr val="191B0E"/>
-                </a:solidFill>
-                <a:uFillTx/>
-                <a:latin typeface="Franklin Gothic Book"/>
-              </a:rPr>
-              <a:t>Vid als het niet werkt</a:t>
-            </a:r>
-            <a:endParaRPr lang="en-US" sz="2000" b="0" u="none" strike="noStrike">
+            <a:endParaRPr lang="en-US" sz="2000" b="0" u="none" strike="noStrike" dirty="0">
               <a:solidFill>
                 <a:srgbClr val="000000"/>
               </a:solidFill>
@@ -33585,6 +33580,35 @@
           </a:p>
         </p:txBody>
       </p:sp>
+      <p:pic>
+        <p:nvPicPr>
+          <p:cNvPr id="3" name="Afbeelding 2">
+            <a:extLst>
+              <a:ext uri="{FF2B5EF4-FFF2-40B4-BE49-F238E27FC236}">
+                <a16:creationId xmlns:a16="http://schemas.microsoft.com/office/drawing/2014/main" id="{83C6D48E-0870-584C-6024-78D8AA5CF4A0}"/>
+              </a:ext>
+            </a:extLst>
+          </p:cNvPr>
+          <p:cNvPicPr>
+            <a:picLocks noChangeAspect="1"/>
+          </p:cNvPicPr>
+          <p:nvPr/>
+        </p:nvPicPr>
+        <p:blipFill>
+          <a:blip r:embed="rId2"/>
+          <a:srcRect r="10907"/>
+          <a:stretch/>
+        </p:blipFill>
+        <p:spPr>
+          <a:xfrm>
+            <a:off x="5569139" y="1432560"/>
+            <a:ext cx="6023422" cy="5256540"/>
+          </a:xfrm>
+          <a:prstGeom prst="rect">
+            <a:avLst/>
+          </a:prstGeom>
+        </p:spPr>
+      </p:pic>
     </p:spTree>
   </p:cSld>
   <p:clrMapOvr>

--- a/AIEdge_Groepsproject_presentatie.pptx
+++ b/AIEdge_Groepsproject_presentatie.pptx
@@ -33738,7 +33738,7 @@
               <a:buChar char="■"/>
             </a:pPr>
             <a:r>
-              <a:rPr lang="nl-BE" sz="2000" b="0" u="none" strike="noStrike">
+              <a:rPr lang="nl-BE" sz="2000" b="0" u="none" strike="noStrike" dirty="0">
                 <a:solidFill>
                   <a:srgbClr val="191B0E"/>
                 </a:solidFill>
@@ -33747,7 +33747,7 @@
               </a:rPr>
               <a:t>Model</a:t>
             </a:r>
-            <a:endParaRPr lang="en-US" sz="2000" b="0" u="none" strike="noStrike">
+            <a:endParaRPr lang="en-US" sz="2000" b="0" u="none" strike="noStrike" dirty="0">
               <a:solidFill>
                 <a:srgbClr val="000000"/>
               </a:solidFill>
@@ -33773,7 +33773,7 @@
               <a:buChar char="■"/>
             </a:pPr>
             <a:r>
-              <a:rPr lang="nl-BE" sz="2000" b="0" u="none" strike="noStrike">
+              <a:rPr lang="nl-BE" sz="2000" b="0" u="none" strike="noStrike" dirty="0">
                 <a:solidFill>
                   <a:srgbClr val="191B0E"/>
                 </a:solidFill>
@@ -33782,13 +33782,6 @@
               </a:rPr>
               <a:t>Dataset(s)</a:t>
             </a:r>
-            <a:endParaRPr lang="en-US" sz="2000" b="0" u="none" strike="noStrike">
-              <a:solidFill>
-                <a:srgbClr val="000000"/>
-              </a:solidFill>
-              <a:uFillTx/>
-              <a:latin typeface="Arial"/>
-            </a:endParaRPr>
           </a:p>
           <a:p>
             <a:pPr marL="384120" indent="-384120">
@@ -33808,16 +33801,15 @@
               <a:buChar char="■"/>
             </a:pPr>
             <a:r>
-              <a:rPr lang="nl-BE" sz="2000" b="0" u="none" strike="noStrike">
+              <a:rPr lang="nl-BE" sz="2000" dirty="0">
                 <a:solidFill>
                   <a:srgbClr val="191B0E"/>
                 </a:solidFill>
-                <a:uFillTx/>
                 <a:latin typeface="Franklin Gothic Book"/>
               </a:rPr>
-              <a:t>ONNX runtime</a:t>
-            </a:r>
-            <a:endParaRPr lang="en-US" sz="2000" b="0" u="none" strike="noStrike">
+              <a:t>Project setup</a:t>
+            </a:r>
+            <a:endParaRPr lang="en-US" sz="2000" b="0" u="none" strike="noStrike" dirty="0">
               <a:solidFill>
                 <a:srgbClr val="000000"/>
               </a:solidFill>
@@ -33843,16 +33835,26 @@
               <a:buChar char="■"/>
             </a:pPr>
             <a:r>
-              <a:rPr lang="nl-BE" sz="2000" b="0" u="none" strike="noStrike">
+              <a:rPr lang="nl-BE" sz="2000" b="0" u="none" strike="noStrike" dirty="0">
                 <a:solidFill>
                   <a:srgbClr val="191B0E"/>
                 </a:solidFill>
                 <a:uFillTx/>
                 <a:latin typeface="Franklin Gothic Book"/>
               </a:rPr>
-              <a:t>Testen op foto’s/video’s</a:t>
-            </a:r>
-            <a:endParaRPr lang="en-US" sz="2000" b="0" u="none" strike="noStrike">
+              <a:t>ONNX </a:t>
+            </a:r>
+            <a:r>
+              <a:rPr lang="nl-BE" sz="2000" b="0" u="none" strike="noStrike" dirty="0" err="1">
+                <a:solidFill>
+                  <a:srgbClr val="191B0E"/>
+                </a:solidFill>
+                <a:uFillTx/>
+                <a:latin typeface="Franklin Gothic Book"/>
+              </a:rPr>
+              <a:t>runtime</a:t>
+            </a:r>
+            <a:endParaRPr lang="en-US" sz="2000" b="0" u="none" strike="noStrike" dirty="0">
               <a:solidFill>
                 <a:srgbClr val="000000"/>
               </a:solidFill>
@@ -33878,16 +33880,16 @@
               <a:buChar char="■"/>
             </a:pPr>
             <a:r>
-              <a:rPr lang="nl-BE" sz="2000" b="0" u="none" strike="noStrike">
+              <a:rPr lang="nl-BE" sz="2000" b="0" u="none" strike="noStrike" dirty="0">
                 <a:solidFill>
                   <a:srgbClr val="191B0E"/>
                 </a:solidFill>
                 <a:uFillTx/>
                 <a:latin typeface="Franklin Gothic Book"/>
               </a:rPr>
-              <a:t>Testen met webcam</a:t>
-            </a:r>
-            <a:endParaRPr lang="en-US" sz="2000" b="0" u="none" strike="noStrike">
+              <a:t>Testen</a:t>
+            </a:r>
+            <a:endParaRPr lang="en-US" sz="2000" b="0" u="none" strike="noStrike" dirty="0">
               <a:solidFill>
                 <a:srgbClr val="000000"/>
               </a:solidFill>
@@ -33913,7 +33915,7 @@
               <a:buChar char="■"/>
             </a:pPr>
             <a:r>
-              <a:rPr lang="nl-BE" sz="2000" b="0" u="none" strike="noStrike">
+              <a:rPr lang="nl-BE" sz="2000" b="0" u="none" strike="noStrike" dirty="0">
                 <a:solidFill>
                   <a:srgbClr val="191B0E"/>
                 </a:solidFill>
@@ -33922,7 +33924,7 @@
               </a:rPr>
               <a:t>Trainen met dataset(s)</a:t>
             </a:r>
-            <a:endParaRPr lang="en-US" sz="2000" b="0" u="none" strike="noStrike">
+            <a:endParaRPr lang="en-US" sz="2000" b="0" u="none" strike="noStrike" dirty="0">
               <a:solidFill>
                 <a:srgbClr val="000000"/>
               </a:solidFill>
@@ -33948,7 +33950,7 @@
               <a:buChar char="■"/>
             </a:pPr>
             <a:r>
-              <a:rPr lang="nl-BE" sz="2000" b="0" u="none" strike="noStrike">
+              <a:rPr lang="nl-BE" sz="2000" b="0" u="none" strike="noStrike" dirty="0">
                 <a:solidFill>
                   <a:srgbClr val="191B0E"/>
                 </a:solidFill>
@@ -33957,7 +33959,7 @@
               </a:rPr>
               <a:t>Demo + conclusie</a:t>
             </a:r>
-            <a:endParaRPr lang="en-US" sz="2000" b="0" u="none" strike="noStrike">
+            <a:endParaRPr lang="en-US" sz="2000" b="0" u="none" strike="noStrike" dirty="0">
               <a:solidFill>
                 <a:srgbClr val="000000"/>
               </a:solidFill>
@@ -33981,7 +33983,7 @@
                 <a:tab pos="0" algn="l"/>
               </a:tabLst>
             </a:pPr>
-            <a:endParaRPr lang="en-US" sz="2000" b="0" u="none" strike="noStrike">
+            <a:endParaRPr lang="en-US" sz="2000" b="0" u="none" strike="noStrike" dirty="0">
               <a:solidFill>
                 <a:srgbClr val="000000"/>
               </a:solidFill>
@@ -34005,7 +34007,7 @@
                 <a:tab pos="0" algn="l"/>
               </a:tabLst>
             </a:pPr>
-            <a:endParaRPr lang="en-US" sz="2000" b="0" u="none" strike="noStrike">
+            <a:endParaRPr lang="en-US" sz="2000" b="0" u="none" strike="noStrike" dirty="0">
               <a:solidFill>
                 <a:srgbClr val="000000"/>
               </a:solidFill>

--- a/AIEdge_Groepsproject_presentatie.pptx
+++ b/AIEdge_Groepsproject_presentatie.pptx
@@ -33442,6 +33442,1149 @@
           <a:chExt cx="0" cy="0"/>
         </a:xfrm>
       </p:grpSpPr>
+      <p:graphicFrame>
+        <p:nvGraphicFramePr>
+          <p:cNvPr id="12" name="Tabel 11">
+            <a:extLst>
+              <a:ext uri="{FF2B5EF4-FFF2-40B4-BE49-F238E27FC236}">
+                <a16:creationId xmlns:a16="http://schemas.microsoft.com/office/drawing/2014/main" id="{EB0FEC7E-CA80-3C15-CFA5-4E46EA741AC8}"/>
+              </a:ext>
+            </a:extLst>
+          </p:cNvPr>
+          <p:cNvGraphicFramePr>
+            <a:graphicFrameLocks noGrp="1"/>
+          </p:cNvGraphicFramePr>
+          <p:nvPr>
+            <p:extLst>
+              <p:ext uri="{D42A27DB-BD31-4B8C-83A1-F6EECF244321}">
+                <p14:modId xmlns:p14="http://schemas.microsoft.com/office/powerpoint/2010/main" val="4170041478"/>
+              </p:ext>
+            </p:extLst>
+          </p:nvPr>
+        </p:nvGraphicFramePr>
+        <p:xfrm>
+          <a:off x="822158" y="1445317"/>
+          <a:ext cx="10547684" cy="5184334"/>
+        </p:xfrm>
+        <a:graphic>
+          <a:graphicData uri="http://schemas.openxmlformats.org/drawingml/2006/table">
+            <a:tbl>
+              <a:tblPr firstRow="1" bandRow="1">
+                <a:tableStyleId>{5C22544A-7EE6-4342-B048-85BDC9FD1C3A}</a:tableStyleId>
+              </a:tblPr>
+              <a:tblGrid>
+                <a:gridCol w="2775284">
+                  <a:extLst>
+                    <a:ext uri="{9D8B030D-6E8A-4147-A177-3AD203B41FA5}">
+                      <a16:colId xmlns:a16="http://schemas.microsoft.com/office/drawing/2014/main" val="3414553645"/>
+                    </a:ext>
+                  </a:extLst>
+                </a:gridCol>
+                <a:gridCol w="2498558">
+                  <a:extLst>
+                    <a:ext uri="{9D8B030D-6E8A-4147-A177-3AD203B41FA5}">
+                      <a16:colId xmlns:a16="http://schemas.microsoft.com/office/drawing/2014/main" val="2278674490"/>
+                    </a:ext>
+                  </a:extLst>
+                </a:gridCol>
+                <a:gridCol w="2636921">
+                  <a:extLst>
+                    <a:ext uri="{9D8B030D-6E8A-4147-A177-3AD203B41FA5}">
+                      <a16:colId xmlns:a16="http://schemas.microsoft.com/office/drawing/2014/main" val="3915995031"/>
+                    </a:ext>
+                  </a:extLst>
+                </a:gridCol>
+                <a:gridCol w="2636921">
+                  <a:extLst>
+                    <a:ext uri="{9D8B030D-6E8A-4147-A177-3AD203B41FA5}">
+                      <a16:colId xmlns:a16="http://schemas.microsoft.com/office/drawing/2014/main" val="3416327706"/>
+                    </a:ext>
+                  </a:extLst>
+                </a:gridCol>
+              </a:tblGrid>
+              <a:tr h="331707">
+                <a:tc>
+                  <a:txBody>
+                    <a:bodyPr/>
+                    <a:lstStyle/>
+                    <a:p>
+                      <a:pPr algn="ctr"/>
+                      <a:r>
+                        <a:rPr lang="nl-BE" dirty="0"/>
+                        <a:t>Model</a:t>
+                      </a:r>
+                    </a:p>
+                  </a:txBody>
+                  <a:tcPr/>
+                </a:tc>
+                <a:tc>
+                  <a:txBody>
+                    <a:bodyPr/>
+                    <a:lstStyle/>
+                    <a:p>
+                      <a:pPr algn="ctr"/>
+                      <a:r>
+                        <a:rPr lang="nl-BE" dirty="0"/>
+                        <a:t>YOLO11n</a:t>
+                      </a:r>
+                    </a:p>
+                  </a:txBody>
+                  <a:tcPr/>
+                </a:tc>
+                <a:tc>
+                  <a:txBody>
+                    <a:bodyPr/>
+                    <a:lstStyle/>
+                    <a:p>
+                      <a:pPr algn="ctr"/>
+                      <a:r>
+                        <a:rPr lang="nl-BE" dirty="0"/>
+                        <a:t>YOLO11s</a:t>
+                      </a:r>
+                    </a:p>
+                  </a:txBody>
+                  <a:tcPr/>
+                </a:tc>
+                <a:tc>
+                  <a:txBody>
+                    <a:bodyPr/>
+                    <a:lstStyle/>
+                    <a:p>
+                      <a:pPr algn="ctr"/>
+                      <a:r>
+                        <a:rPr lang="nl-BE" dirty="0"/>
+                        <a:t>YOLO11l</a:t>
+                      </a:r>
+                    </a:p>
+                  </a:txBody>
+                  <a:tcPr/>
+                </a:tc>
+                <a:extLst>
+                  <a:ext uri="{0D108BD9-81ED-4DB2-BD59-A6C34878D82A}">
+                    <a16:rowId xmlns:a16="http://schemas.microsoft.com/office/drawing/2014/main" val="1355766803"/>
+                  </a:ext>
+                </a:extLst>
+              </a:tr>
+              <a:tr h="580487">
+                <a:tc>
+                  <a:txBody>
+                    <a:bodyPr/>
+                    <a:lstStyle/>
+                    <a:p>
+                      <a:r>
+                        <a:rPr lang="nl-BE" b="1" dirty="0"/>
+                        <a:t>Load Time (</a:t>
+                      </a:r>
+                      <a:r>
+                        <a:rPr lang="nl-BE" b="1" dirty="0" err="1"/>
+                        <a:t>Pytorch</a:t>
+                      </a:r>
+                      <a:r>
+                        <a:rPr lang="nl-BE" b="1" dirty="0"/>
+                        <a:t>)</a:t>
+                      </a:r>
+                      <a:endParaRPr lang="nl-BE" dirty="0"/>
+                    </a:p>
+                  </a:txBody>
+                  <a:tcPr anchor="ctr"/>
+                </a:tc>
+                <a:tc>
+                  <a:txBody>
+                    <a:bodyPr/>
+                    <a:lstStyle/>
+                    <a:p>
+                      <a:pPr algn="ctr"/>
+                      <a:r>
+                        <a:rPr lang="nl-BE" dirty="0"/>
+                        <a:t>0,13 sec</a:t>
+                      </a:r>
+                    </a:p>
+                  </a:txBody>
+                  <a:tcPr/>
+                </a:tc>
+                <a:tc>
+                  <a:txBody>
+                    <a:bodyPr/>
+                    <a:lstStyle/>
+                    <a:p>
+                      <a:pPr marL="0" marR="0" lvl="0" indent="0" algn="ctr" defTabSz="914400" rtl="0" eaLnBrk="1" fontAlgn="auto" latinLnBrk="0" hangingPunct="1">
+                        <a:lnSpc>
+                          <a:spcPct val="100000"/>
+                        </a:lnSpc>
+                        <a:spcBef>
+                          <a:spcPts val="0"/>
+                        </a:spcBef>
+                        <a:spcAft>
+                          <a:spcPts val="0"/>
+                        </a:spcAft>
+                        <a:buClrTx/>
+                        <a:buSzTx/>
+                        <a:buFontTx/>
+                        <a:buNone/>
+                        <a:tabLst/>
+                        <a:defRPr/>
+                      </a:pPr>
+                      <a:r>
+                        <a:rPr lang="nl-BE" dirty="0"/>
+                        <a:t>0,08 sec</a:t>
+                      </a:r>
+                    </a:p>
+                    <a:p>
+                      <a:pPr algn="ctr"/>
+                      <a:endParaRPr lang="nl-BE" dirty="0"/>
+                    </a:p>
+                  </a:txBody>
+                  <a:tcPr/>
+                </a:tc>
+                <a:tc>
+                  <a:txBody>
+                    <a:bodyPr/>
+                    <a:lstStyle/>
+                    <a:p>
+                      <a:pPr marL="0" marR="0" lvl="0" indent="0" algn="ctr" defTabSz="914400" rtl="0" eaLnBrk="1" fontAlgn="auto" latinLnBrk="0" hangingPunct="1">
+                        <a:lnSpc>
+                          <a:spcPct val="100000"/>
+                        </a:lnSpc>
+                        <a:spcBef>
+                          <a:spcPts val="0"/>
+                        </a:spcBef>
+                        <a:spcAft>
+                          <a:spcPts val="0"/>
+                        </a:spcAft>
+                        <a:buClrTx/>
+                        <a:buSzTx/>
+                        <a:buFontTx/>
+                        <a:buNone/>
+                        <a:tabLst/>
+                        <a:defRPr/>
+                      </a:pPr>
+                      <a:r>
+                        <a:rPr lang="nl-BE" dirty="0"/>
+                        <a:t>0,08 sec</a:t>
+                      </a:r>
+                    </a:p>
+                    <a:p>
+                      <a:pPr algn="ctr"/>
+                      <a:endParaRPr lang="nl-BE" dirty="0"/>
+                    </a:p>
+                  </a:txBody>
+                  <a:tcPr/>
+                </a:tc>
+                <a:extLst>
+                  <a:ext uri="{0D108BD9-81ED-4DB2-BD59-A6C34878D82A}">
+                    <a16:rowId xmlns:a16="http://schemas.microsoft.com/office/drawing/2014/main" val="73294063"/>
+                  </a:ext>
+                </a:extLst>
+              </a:tr>
+              <a:tr h="580487">
+                <a:tc>
+                  <a:txBody>
+                    <a:bodyPr/>
+                    <a:lstStyle/>
+                    <a:p>
+                      <a:r>
+                        <a:rPr lang="nl-BE" b="1" dirty="0"/>
+                        <a:t>Load Time (ONNX)</a:t>
+                      </a:r>
+                      <a:endParaRPr lang="nl-BE" dirty="0"/>
+                    </a:p>
+                  </a:txBody>
+                  <a:tcPr anchor="ctr"/>
+                </a:tc>
+                <a:tc>
+                  <a:txBody>
+                    <a:bodyPr/>
+                    <a:lstStyle/>
+                    <a:p>
+                      <a:pPr algn="ctr"/>
+                      <a:r>
+                        <a:rPr lang="nl-BE" dirty="0"/>
+                        <a:t>0,08 sec</a:t>
+                      </a:r>
+                    </a:p>
+                  </a:txBody>
+                  <a:tcPr/>
+                </a:tc>
+                <a:tc>
+                  <a:txBody>
+                    <a:bodyPr/>
+                    <a:lstStyle/>
+                    <a:p>
+                      <a:pPr marL="0" marR="0" lvl="0" indent="0" algn="ctr" defTabSz="914400" rtl="0" eaLnBrk="1" fontAlgn="auto" latinLnBrk="0" hangingPunct="1">
+                        <a:lnSpc>
+                          <a:spcPct val="100000"/>
+                        </a:lnSpc>
+                        <a:spcBef>
+                          <a:spcPts val="0"/>
+                        </a:spcBef>
+                        <a:spcAft>
+                          <a:spcPts val="0"/>
+                        </a:spcAft>
+                        <a:buClrTx/>
+                        <a:buSzTx/>
+                        <a:buFontTx/>
+                        <a:buNone/>
+                        <a:tabLst/>
+                        <a:defRPr/>
+                      </a:pPr>
+                      <a:r>
+                        <a:rPr lang="nl-BE" dirty="0"/>
+                        <a:t>0,15 sec</a:t>
+                      </a:r>
+                    </a:p>
+                    <a:p>
+                      <a:pPr algn="ctr"/>
+                      <a:endParaRPr lang="nl-BE" dirty="0"/>
+                    </a:p>
+                  </a:txBody>
+                  <a:tcPr/>
+                </a:tc>
+                <a:tc>
+                  <a:txBody>
+                    <a:bodyPr/>
+                    <a:lstStyle/>
+                    <a:p>
+                      <a:pPr marL="0" marR="0" lvl="0" indent="0" algn="ctr" defTabSz="914400" rtl="0" eaLnBrk="1" fontAlgn="auto" latinLnBrk="0" hangingPunct="1">
+                        <a:lnSpc>
+                          <a:spcPct val="100000"/>
+                        </a:lnSpc>
+                        <a:spcBef>
+                          <a:spcPts val="0"/>
+                        </a:spcBef>
+                        <a:spcAft>
+                          <a:spcPts val="0"/>
+                        </a:spcAft>
+                        <a:buClrTx/>
+                        <a:buSzTx/>
+                        <a:buFontTx/>
+                        <a:buNone/>
+                        <a:tabLst/>
+                        <a:defRPr/>
+                      </a:pPr>
+                      <a:r>
+                        <a:rPr lang="nl-BE" dirty="0"/>
+                        <a:t>0,39 sec</a:t>
+                      </a:r>
+                    </a:p>
+                    <a:p>
+                      <a:pPr algn="ctr"/>
+                      <a:endParaRPr lang="nl-BE" dirty="0"/>
+                    </a:p>
+                  </a:txBody>
+                  <a:tcPr/>
+                </a:tc>
+                <a:extLst>
+                  <a:ext uri="{0D108BD9-81ED-4DB2-BD59-A6C34878D82A}">
+                    <a16:rowId xmlns:a16="http://schemas.microsoft.com/office/drawing/2014/main" val="343343990"/>
+                  </a:ext>
+                </a:extLst>
+              </a:tr>
+              <a:tr h="419684">
+                <a:tc>
+                  <a:txBody>
+                    <a:bodyPr/>
+                    <a:lstStyle/>
+                    <a:p>
+                      <a:r>
+                        <a:rPr lang="nl-BE" b="1" dirty="0"/>
+                        <a:t>Load Time (</a:t>
+                      </a:r>
+                      <a:r>
+                        <a:rPr lang="nl-BE" b="1" dirty="0" err="1"/>
+                        <a:t>Quantized</a:t>
+                      </a:r>
+                      <a:r>
+                        <a:rPr lang="nl-BE" b="1" dirty="0"/>
+                        <a:t>)</a:t>
+                      </a:r>
+                      <a:endParaRPr lang="nl-BE" dirty="0"/>
+                    </a:p>
+                  </a:txBody>
+                  <a:tcPr anchor="ctr"/>
+                </a:tc>
+                <a:tc>
+                  <a:txBody>
+                    <a:bodyPr/>
+                    <a:lstStyle/>
+                    <a:p>
+                      <a:pPr algn="ctr"/>
+                      <a:r>
+                        <a:rPr lang="nl-BE" dirty="0"/>
+                        <a:t>0,20 sec</a:t>
+                      </a:r>
+                    </a:p>
+                  </a:txBody>
+                  <a:tcPr/>
+                </a:tc>
+                <a:tc>
+                  <a:txBody>
+                    <a:bodyPr/>
+                    <a:lstStyle/>
+                    <a:p>
+                      <a:pPr marL="0" marR="0" lvl="0" indent="0" algn="ctr" defTabSz="914400" rtl="0" eaLnBrk="1" fontAlgn="auto" latinLnBrk="0" hangingPunct="1">
+                        <a:lnSpc>
+                          <a:spcPct val="100000"/>
+                        </a:lnSpc>
+                        <a:spcBef>
+                          <a:spcPts val="0"/>
+                        </a:spcBef>
+                        <a:spcAft>
+                          <a:spcPts val="0"/>
+                        </a:spcAft>
+                        <a:buClrTx/>
+                        <a:buSzTx/>
+                        <a:buFontTx/>
+                        <a:buNone/>
+                        <a:tabLst/>
+                        <a:defRPr/>
+                      </a:pPr>
+                      <a:r>
+                        <a:rPr lang="nl-BE" dirty="0"/>
+                        <a:t>0,18 sec</a:t>
+                      </a:r>
+                    </a:p>
+                    <a:p>
+                      <a:pPr algn="ctr"/>
+                      <a:endParaRPr lang="nl-BE" dirty="0"/>
+                    </a:p>
+                  </a:txBody>
+                  <a:tcPr/>
+                </a:tc>
+                <a:tc>
+                  <a:txBody>
+                    <a:bodyPr/>
+                    <a:lstStyle/>
+                    <a:p>
+                      <a:pPr marL="0" marR="0" lvl="0" indent="0" algn="ctr" defTabSz="914400" rtl="0" eaLnBrk="1" fontAlgn="auto" latinLnBrk="0" hangingPunct="1">
+                        <a:lnSpc>
+                          <a:spcPct val="100000"/>
+                        </a:lnSpc>
+                        <a:spcBef>
+                          <a:spcPts val="0"/>
+                        </a:spcBef>
+                        <a:spcAft>
+                          <a:spcPts val="0"/>
+                        </a:spcAft>
+                        <a:buClrTx/>
+                        <a:buSzTx/>
+                        <a:buFontTx/>
+                        <a:buNone/>
+                        <a:tabLst/>
+                        <a:defRPr/>
+                      </a:pPr>
+                      <a:r>
+                        <a:rPr lang="nl-BE" dirty="0"/>
+                        <a:t>0,30 sec</a:t>
+                      </a:r>
+                    </a:p>
+                    <a:p>
+                      <a:pPr algn="ctr"/>
+                      <a:endParaRPr lang="nl-BE" dirty="0"/>
+                    </a:p>
+                  </a:txBody>
+                  <a:tcPr/>
+                </a:tc>
+                <a:extLst>
+                  <a:ext uri="{0D108BD9-81ED-4DB2-BD59-A6C34878D82A}">
+                    <a16:rowId xmlns:a16="http://schemas.microsoft.com/office/drawing/2014/main" val="725765234"/>
+                  </a:ext>
+                </a:extLst>
+              </a:tr>
+              <a:tr h="580487">
+                <a:tc>
+                  <a:txBody>
+                    <a:bodyPr/>
+                    <a:lstStyle/>
+                    <a:p>
+                      <a:r>
+                        <a:rPr lang="nl-BE" b="1" dirty="0"/>
+                        <a:t>File </a:t>
+                      </a:r>
+                      <a:r>
+                        <a:rPr lang="nl-BE" b="1" dirty="0" err="1"/>
+                        <a:t>Size</a:t>
+                      </a:r>
+                      <a:r>
+                        <a:rPr lang="nl-BE" b="1" dirty="0"/>
+                        <a:t> (</a:t>
+                      </a:r>
+                      <a:r>
+                        <a:rPr lang="nl-BE" b="1" dirty="0" err="1"/>
+                        <a:t>Pytorch</a:t>
+                      </a:r>
+                      <a:r>
+                        <a:rPr lang="nl-BE" b="1" dirty="0"/>
+                        <a:t>)</a:t>
+                      </a:r>
+                      <a:endParaRPr lang="nl-BE" dirty="0"/>
+                    </a:p>
+                  </a:txBody>
+                  <a:tcPr anchor="ctr"/>
+                </a:tc>
+                <a:tc>
+                  <a:txBody>
+                    <a:bodyPr/>
+                    <a:lstStyle/>
+                    <a:p>
+                      <a:pPr algn="ctr"/>
+                      <a:r>
+                        <a:rPr lang="nl-BE" dirty="0"/>
+                        <a:t>5,35 MB</a:t>
+                      </a:r>
+                    </a:p>
+                  </a:txBody>
+                  <a:tcPr/>
+                </a:tc>
+                <a:tc>
+                  <a:txBody>
+                    <a:bodyPr/>
+                    <a:lstStyle/>
+                    <a:p>
+                      <a:pPr marL="0" marR="0" lvl="0" indent="0" algn="ctr" defTabSz="914400" rtl="0" eaLnBrk="1" fontAlgn="auto" latinLnBrk="0" hangingPunct="1">
+                        <a:lnSpc>
+                          <a:spcPct val="100000"/>
+                        </a:lnSpc>
+                        <a:spcBef>
+                          <a:spcPts val="0"/>
+                        </a:spcBef>
+                        <a:spcAft>
+                          <a:spcPts val="0"/>
+                        </a:spcAft>
+                        <a:buClrTx/>
+                        <a:buSzTx/>
+                        <a:buFontTx/>
+                        <a:buNone/>
+                        <a:tabLst/>
+                        <a:defRPr/>
+                      </a:pPr>
+                      <a:r>
+                        <a:rPr lang="nl-BE" dirty="0"/>
+                        <a:t>18,42 MB</a:t>
+                      </a:r>
+                    </a:p>
+                  </a:txBody>
+                  <a:tcPr/>
+                </a:tc>
+                <a:tc>
+                  <a:txBody>
+                    <a:bodyPr/>
+                    <a:lstStyle/>
+                    <a:p>
+                      <a:pPr marL="0" marR="0" lvl="0" indent="0" algn="ctr" defTabSz="914400" rtl="0" eaLnBrk="1" fontAlgn="auto" latinLnBrk="0" hangingPunct="1">
+                        <a:lnSpc>
+                          <a:spcPct val="100000"/>
+                        </a:lnSpc>
+                        <a:spcBef>
+                          <a:spcPts val="0"/>
+                        </a:spcBef>
+                        <a:spcAft>
+                          <a:spcPts val="0"/>
+                        </a:spcAft>
+                        <a:buClrTx/>
+                        <a:buSzTx/>
+                        <a:buFontTx/>
+                        <a:buNone/>
+                        <a:tabLst/>
+                        <a:defRPr/>
+                      </a:pPr>
+                      <a:r>
+                        <a:rPr lang="nl-BE" dirty="0"/>
+                        <a:t>49,01 MB</a:t>
+                      </a:r>
+                    </a:p>
+                  </a:txBody>
+                  <a:tcPr/>
+                </a:tc>
+                <a:extLst>
+                  <a:ext uri="{0D108BD9-81ED-4DB2-BD59-A6C34878D82A}">
+                    <a16:rowId xmlns:a16="http://schemas.microsoft.com/office/drawing/2014/main" val="1859709633"/>
+                  </a:ext>
+                </a:extLst>
+              </a:tr>
+              <a:tr h="336314">
+                <a:tc>
+                  <a:txBody>
+                    <a:bodyPr/>
+                    <a:lstStyle/>
+                    <a:p>
+                      <a:r>
+                        <a:rPr lang="nl-BE" b="1" dirty="0"/>
+                        <a:t>File </a:t>
+                      </a:r>
+                      <a:r>
+                        <a:rPr lang="nl-BE" b="1" dirty="0" err="1"/>
+                        <a:t>Size</a:t>
+                      </a:r>
+                      <a:r>
+                        <a:rPr lang="nl-BE" b="1" dirty="0"/>
+                        <a:t> (ONNX)</a:t>
+                      </a:r>
+                      <a:endParaRPr lang="nl-BE" dirty="0"/>
+                    </a:p>
+                  </a:txBody>
+                  <a:tcPr anchor="ctr"/>
+                </a:tc>
+                <a:tc>
+                  <a:txBody>
+                    <a:bodyPr/>
+                    <a:lstStyle/>
+                    <a:p>
+                      <a:pPr algn="ctr"/>
+                      <a:r>
+                        <a:rPr lang="nl-BE" dirty="0"/>
+                        <a:t>10,22 MB</a:t>
+                      </a:r>
+                    </a:p>
+                  </a:txBody>
+                  <a:tcPr/>
+                </a:tc>
+                <a:tc>
+                  <a:txBody>
+                    <a:bodyPr/>
+                    <a:lstStyle/>
+                    <a:p>
+                      <a:pPr marL="0" marR="0" lvl="0" indent="0" algn="ctr" defTabSz="914400" rtl="0" eaLnBrk="1" fontAlgn="auto" latinLnBrk="0" hangingPunct="1">
+                        <a:lnSpc>
+                          <a:spcPct val="100000"/>
+                        </a:lnSpc>
+                        <a:spcBef>
+                          <a:spcPts val="0"/>
+                        </a:spcBef>
+                        <a:spcAft>
+                          <a:spcPts val="0"/>
+                        </a:spcAft>
+                        <a:buClrTx/>
+                        <a:buSzTx/>
+                        <a:buFontTx/>
+                        <a:buNone/>
+                        <a:tabLst/>
+                        <a:defRPr/>
+                      </a:pPr>
+                      <a:r>
+                        <a:rPr lang="nl-BE" dirty="0"/>
+                        <a:t>36,27 MB</a:t>
+                      </a:r>
+                    </a:p>
+                    <a:p>
+                      <a:pPr algn="ctr"/>
+                      <a:endParaRPr lang="nl-BE" dirty="0"/>
+                    </a:p>
+                  </a:txBody>
+                  <a:tcPr/>
+                </a:tc>
+                <a:tc>
+                  <a:txBody>
+                    <a:bodyPr/>
+                    <a:lstStyle/>
+                    <a:p>
+                      <a:pPr marL="0" marR="0" lvl="0" indent="0" algn="ctr" defTabSz="914400" rtl="0" eaLnBrk="1" fontAlgn="auto" latinLnBrk="0" hangingPunct="1">
+                        <a:lnSpc>
+                          <a:spcPct val="100000"/>
+                        </a:lnSpc>
+                        <a:spcBef>
+                          <a:spcPts val="0"/>
+                        </a:spcBef>
+                        <a:spcAft>
+                          <a:spcPts val="0"/>
+                        </a:spcAft>
+                        <a:buClrTx/>
+                        <a:buSzTx/>
+                        <a:buFontTx/>
+                        <a:buNone/>
+                        <a:tabLst/>
+                        <a:defRPr/>
+                      </a:pPr>
+                      <a:r>
+                        <a:rPr lang="nl-BE" dirty="0"/>
+                        <a:t>96,99 MB</a:t>
+                      </a:r>
+                    </a:p>
+                  </a:txBody>
+                  <a:tcPr/>
+                </a:tc>
+                <a:extLst>
+                  <a:ext uri="{0D108BD9-81ED-4DB2-BD59-A6C34878D82A}">
+                    <a16:rowId xmlns:a16="http://schemas.microsoft.com/office/drawing/2014/main" val="2068210009"/>
+                  </a:ext>
+                </a:extLst>
+              </a:tr>
+              <a:tr h="580487">
+                <a:tc>
+                  <a:txBody>
+                    <a:bodyPr/>
+                    <a:lstStyle/>
+                    <a:p>
+                      <a:r>
+                        <a:rPr lang="nl-BE" b="1" dirty="0"/>
+                        <a:t>File </a:t>
+                      </a:r>
+                      <a:r>
+                        <a:rPr lang="nl-BE" b="1" dirty="0" err="1"/>
+                        <a:t>Size</a:t>
+                      </a:r>
+                      <a:r>
+                        <a:rPr lang="nl-BE" b="1" dirty="0"/>
+                        <a:t> (</a:t>
+                      </a:r>
+                      <a:r>
+                        <a:rPr lang="nl-BE" b="1" dirty="0" err="1"/>
+                        <a:t>Quantized</a:t>
+                      </a:r>
+                      <a:r>
+                        <a:rPr lang="nl-BE" b="1" dirty="0"/>
+                        <a:t>)</a:t>
+                      </a:r>
+                      <a:endParaRPr lang="nl-BE" dirty="0"/>
+                    </a:p>
+                  </a:txBody>
+                  <a:tcPr anchor="ctr"/>
+                </a:tc>
+                <a:tc>
+                  <a:txBody>
+                    <a:bodyPr/>
+                    <a:lstStyle/>
+                    <a:p>
+                      <a:pPr algn="ctr"/>
+                      <a:r>
+                        <a:rPr lang="nl-BE" dirty="0"/>
+                        <a:t>2,89 MB</a:t>
+                      </a:r>
+                    </a:p>
+                  </a:txBody>
+                  <a:tcPr/>
+                </a:tc>
+                <a:tc>
+                  <a:txBody>
+                    <a:bodyPr/>
+                    <a:lstStyle/>
+                    <a:p>
+                      <a:pPr marL="0" marR="0" lvl="0" indent="0" algn="ctr" defTabSz="914400" rtl="0" eaLnBrk="1" fontAlgn="auto" latinLnBrk="0" hangingPunct="1">
+                        <a:lnSpc>
+                          <a:spcPct val="100000"/>
+                        </a:lnSpc>
+                        <a:spcBef>
+                          <a:spcPts val="0"/>
+                        </a:spcBef>
+                        <a:spcAft>
+                          <a:spcPts val="0"/>
+                        </a:spcAft>
+                        <a:buClrTx/>
+                        <a:buSzTx/>
+                        <a:buFontTx/>
+                        <a:buNone/>
+                        <a:tabLst/>
+                        <a:defRPr/>
+                      </a:pPr>
+                      <a:r>
+                        <a:rPr lang="nl-BE" dirty="0"/>
+                        <a:t>9,42 MB</a:t>
+                      </a:r>
+                    </a:p>
+                  </a:txBody>
+                  <a:tcPr/>
+                </a:tc>
+                <a:tc>
+                  <a:txBody>
+                    <a:bodyPr/>
+                    <a:lstStyle/>
+                    <a:p>
+                      <a:pPr marL="0" marR="0" lvl="0" indent="0" algn="ctr" defTabSz="914400" rtl="0" eaLnBrk="1" fontAlgn="auto" latinLnBrk="0" hangingPunct="1">
+                        <a:lnSpc>
+                          <a:spcPct val="100000"/>
+                        </a:lnSpc>
+                        <a:spcBef>
+                          <a:spcPts val="0"/>
+                        </a:spcBef>
+                        <a:spcAft>
+                          <a:spcPts val="0"/>
+                        </a:spcAft>
+                        <a:buClrTx/>
+                        <a:buSzTx/>
+                        <a:buFontTx/>
+                        <a:buNone/>
+                        <a:tabLst/>
+                        <a:defRPr/>
+                      </a:pPr>
+                      <a:r>
+                        <a:rPr lang="nl-BE" dirty="0"/>
+                        <a:t>24,83 MB</a:t>
+                      </a:r>
+                    </a:p>
+                  </a:txBody>
+                  <a:tcPr/>
+                </a:tc>
+                <a:extLst>
+                  <a:ext uri="{0D108BD9-81ED-4DB2-BD59-A6C34878D82A}">
+                    <a16:rowId xmlns:a16="http://schemas.microsoft.com/office/drawing/2014/main" val="21356144"/>
+                  </a:ext>
+                </a:extLst>
+              </a:tr>
+              <a:tr h="336314">
+                <a:tc>
+                  <a:txBody>
+                    <a:bodyPr/>
+                    <a:lstStyle/>
+                    <a:p>
+                      <a:r>
+                        <a:rPr lang="nl-BE" b="1" dirty="0"/>
+                        <a:t>FPS (</a:t>
+                      </a:r>
+                      <a:r>
+                        <a:rPr lang="nl-BE" b="1" dirty="0" err="1"/>
+                        <a:t>Pytorch</a:t>
+                      </a:r>
+                      <a:r>
+                        <a:rPr lang="nl-BE" b="1" dirty="0"/>
+                        <a:t>)</a:t>
+                      </a:r>
+                      <a:endParaRPr lang="nl-BE" dirty="0"/>
+                    </a:p>
+                  </a:txBody>
+                  <a:tcPr anchor="ctr"/>
+                </a:tc>
+                <a:tc>
+                  <a:txBody>
+                    <a:bodyPr/>
+                    <a:lstStyle/>
+                    <a:p>
+                      <a:pPr algn="ctr"/>
+                      <a:r>
+                        <a:rPr lang="nl-BE" dirty="0"/>
+                        <a:t>10,37 FPS</a:t>
+                      </a:r>
+                    </a:p>
+                  </a:txBody>
+                  <a:tcPr/>
+                </a:tc>
+                <a:tc>
+                  <a:txBody>
+                    <a:bodyPr/>
+                    <a:lstStyle/>
+                    <a:p>
+                      <a:pPr marL="0" marR="0" lvl="0" indent="0" algn="ctr" defTabSz="914400" rtl="0" eaLnBrk="1" fontAlgn="auto" latinLnBrk="0" hangingPunct="1">
+                        <a:lnSpc>
+                          <a:spcPct val="100000"/>
+                        </a:lnSpc>
+                        <a:spcBef>
+                          <a:spcPts val="0"/>
+                        </a:spcBef>
+                        <a:spcAft>
+                          <a:spcPts val="0"/>
+                        </a:spcAft>
+                        <a:buClrTx/>
+                        <a:buSzTx/>
+                        <a:buFontTx/>
+                        <a:buNone/>
+                        <a:tabLst/>
+                        <a:defRPr/>
+                      </a:pPr>
+                      <a:r>
+                        <a:rPr lang="nl-BE" dirty="0"/>
+                        <a:t>8,33 FPS</a:t>
+                      </a:r>
+                    </a:p>
+                  </a:txBody>
+                  <a:tcPr/>
+                </a:tc>
+                <a:tc>
+                  <a:txBody>
+                    <a:bodyPr/>
+                    <a:lstStyle/>
+                    <a:p>
+                      <a:pPr marL="0" marR="0" lvl="0" indent="0" algn="ctr" defTabSz="914400" rtl="0" eaLnBrk="1" fontAlgn="auto" latinLnBrk="0" hangingPunct="1">
+                        <a:lnSpc>
+                          <a:spcPct val="100000"/>
+                        </a:lnSpc>
+                        <a:spcBef>
+                          <a:spcPts val="0"/>
+                        </a:spcBef>
+                        <a:spcAft>
+                          <a:spcPts val="0"/>
+                        </a:spcAft>
+                        <a:buClrTx/>
+                        <a:buSzTx/>
+                        <a:buFontTx/>
+                        <a:buNone/>
+                        <a:tabLst/>
+                        <a:defRPr/>
+                      </a:pPr>
+                      <a:r>
+                        <a:rPr lang="nl-BE" dirty="0"/>
+                        <a:t>2,40 FPS</a:t>
+                      </a:r>
+                    </a:p>
+                  </a:txBody>
+                  <a:tcPr/>
+                </a:tc>
+                <a:extLst>
+                  <a:ext uri="{0D108BD9-81ED-4DB2-BD59-A6C34878D82A}">
+                    <a16:rowId xmlns:a16="http://schemas.microsoft.com/office/drawing/2014/main" val="2251489823"/>
+                  </a:ext>
+                </a:extLst>
+              </a:tr>
+              <a:tr h="336314">
+                <a:tc>
+                  <a:txBody>
+                    <a:bodyPr/>
+                    <a:lstStyle/>
+                    <a:p>
+                      <a:r>
+                        <a:rPr lang="nl-BE" b="1" dirty="0"/>
+                        <a:t>FPS (ONNX)</a:t>
+                      </a:r>
+                      <a:endParaRPr lang="nl-BE" dirty="0"/>
+                    </a:p>
+                  </a:txBody>
+                  <a:tcPr anchor="ctr"/>
+                </a:tc>
+                <a:tc>
+                  <a:txBody>
+                    <a:bodyPr/>
+                    <a:lstStyle/>
+                    <a:p>
+                      <a:pPr algn="ctr"/>
+                      <a:r>
+                        <a:rPr lang="nl-BE" dirty="0"/>
+                        <a:t>12,44 FPS</a:t>
+                      </a:r>
+                    </a:p>
+                  </a:txBody>
+                  <a:tcPr/>
+                </a:tc>
+                <a:tc>
+                  <a:txBody>
+                    <a:bodyPr/>
+                    <a:lstStyle/>
+                    <a:p>
+                      <a:pPr marL="0" marR="0" lvl="0" indent="0" algn="ctr" defTabSz="914400" rtl="0" eaLnBrk="1" fontAlgn="auto" latinLnBrk="0" hangingPunct="1">
+                        <a:lnSpc>
+                          <a:spcPct val="100000"/>
+                        </a:lnSpc>
+                        <a:spcBef>
+                          <a:spcPts val="0"/>
+                        </a:spcBef>
+                        <a:spcAft>
+                          <a:spcPts val="0"/>
+                        </a:spcAft>
+                        <a:buClrTx/>
+                        <a:buSzTx/>
+                        <a:buFontTx/>
+                        <a:buNone/>
+                        <a:tabLst/>
+                        <a:defRPr/>
+                      </a:pPr>
+                      <a:r>
+                        <a:rPr lang="nl-BE" dirty="0"/>
+                        <a:t>4,99 FPS</a:t>
+                      </a:r>
+                    </a:p>
+                  </a:txBody>
+                  <a:tcPr/>
+                </a:tc>
+                <a:tc>
+                  <a:txBody>
+                    <a:bodyPr/>
+                    <a:lstStyle/>
+                    <a:p>
+                      <a:pPr marL="0" marR="0" lvl="0" indent="0" algn="ctr" defTabSz="914400" rtl="0" eaLnBrk="1" fontAlgn="auto" latinLnBrk="0" hangingPunct="1">
+                        <a:lnSpc>
+                          <a:spcPct val="100000"/>
+                        </a:lnSpc>
+                        <a:spcBef>
+                          <a:spcPts val="0"/>
+                        </a:spcBef>
+                        <a:spcAft>
+                          <a:spcPts val="0"/>
+                        </a:spcAft>
+                        <a:buClrTx/>
+                        <a:buSzTx/>
+                        <a:buFontTx/>
+                        <a:buNone/>
+                        <a:tabLst/>
+                        <a:defRPr/>
+                      </a:pPr>
+                      <a:r>
+                        <a:rPr lang="nl-BE" dirty="0"/>
+                        <a:t>1,51 FPS</a:t>
+                      </a:r>
+                    </a:p>
+                  </a:txBody>
+                  <a:tcPr/>
+                </a:tc>
+                <a:extLst>
+                  <a:ext uri="{0D108BD9-81ED-4DB2-BD59-A6C34878D82A}">
+                    <a16:rowId xmlns:a16="http://schemas.microsoft.com/office/drawing/2014/main" val="3100446192"/>
+                  </a:ext>
+                </a:extLst>
+              </a:tr>
+              <a:tr h="336314">
+                <a:tc>
+                  <a:txBody>
+                    <a:bodyPr/>
+                    <a:lstStyle/>
+                    <a:p>
+                      <a:r>
+                        <a:rPr lang="nl-BE" b="1" dirty="0"/>
+                        <a:t>FPS (</a:t>
+                      </a:r>
+                      <a:r>
+                        <a:rPr lang="nl-BE" b="1" dirty="0" err="1"/>
+                        <a:t>Quantized</a:t>
+                      </a:r>
+                      <a:r>
+                        <a:rPr lang="nl-BE" b="1" dirty="0"/>
+                        <a:t>)</a:t>
+                      </a:r>
+                      <a:endParaRPr lang="nl-BE" dirty="0"/>
+                    </a:p>
+                  </a:txBody>
+                  <a:tcPr anchor="ctr"/>
+                </a:tc>
+                <a:tc>
+                  <a:txBody>
+                    <a:bodyPr/>
+                    <a:lstStyle/>
+                    <a:p>
+                      <a:pPr algn="ctr"/>
+                      <a:r>
+                        <a:rPr lang="nl-BE" dirty="0"/>
+                        <a:t>9,90 FPS</a:t>
+                      </a:r>
+                    </a:p>
+                  </a:txBody>
+                  <a:tcPr/>
+                </a:tc>
+                <a:tc>
+                  <a:txBody>
+                    <a:bodyPr/>
+                    <a:lstStyle/>
+                    <a:p>
+                      <a:pPr marL="0" marR="0" lvl="0" indent="0" algn="ctr" defTabSz="914400" rtl="0" eaLnBrk="1" fontAlgn="auto" latinLnBrk="0" hangingPunct="1">
+                        <a:lnSpc>
+                          <a:spcPct val="100000"/>
+                        </a:lnSpc>
+                        <a:spcBef>
+                          <a:spcPts val="0"/>
+                        </a:spcBef>
+                        <a:spcAft>
+                          <a:spcPts val="0"/>
+                        </a:spcAft>
+                        <a:buClrTx/>
+                        <a:buSzTx/>
+                        <a:buFontTx/>
+                        <a:buNone/>
+                        <a:tabLst/>
+                        <a:defRPr/>
+                      </a:pPr>
+                      <a:r>
+                        <a:rPr lang="nl-BE" dirty="0"/>
+                        <a:t>4,70 FPS</a:t>
+                      </a:r>
+                    </a:p>
+                  </a:txBody>
+                  <a:tcPr/>
+                </a:tc>
+                <a:tc>
+                  <a:txBody>
+                    <a:bodyPr/>
+                    <a:lstStyle/>
+                    <a:p>
+                      <a:pPr marL="0" marR="0" lvl="0" indent="0" algn="ctr" defTabSz="914400" rtl="0" eaLnBrk="1" fontAlgn="auto" latinLnBrk="0" hangingPunct="1">
+                        <a:lnSpc>
+                          <a:spcPct val="100000"/>
+                        </a:lnSpc>
+                        <a:spcBef>
+                          <a:spcPts val="0"/>
+                        </a:spcBef>
+                        <a:spcAft>
+                          <a:spcPts val="0"/>
+                        </a:spcAft>
+                        <a:buClrTx/>
+                        <a:buSzTx/>
+                        <a:buFontTx/>
+                        <a:buNone/>
+                        <a:tabLst/>
+                        <a:defRPr/>
+                      </a:pPr>
+                      <a:r>
+                        <a:rPr lang="nl-BE" dirty="0"/>
+                        <a:t>1,76 FPS</a:t>
+                      </a:r>
+                    </a:p>
+                  </a:txBody>
+                  <a:tcPr/>
+                </a:tc>
+                <a:extLst>
+                  <a:ext uri="{0D108BD9-81ED-4DB2-BD59-A6C34878D82A}">
+                    <a16:rowId xmlns:a16="http://schemas.microsoft.com/office/drawing/2014/main" val="3642713826"/>
+                  </a:ext>
+                </a:extLst>
+              </a:tr>
+            </a:tbl>
+          </a:graphicData>
+        </a:graphic>
+      </p:graphicFrame>
+      <p:sp>
+        <p:nvSpPr>
+          <p:cNvPr id="16" name="Tekstvak 15">
+            <a:extLst>
+              <a:ext uri="{FF2B5EF4-FFF2-40B4-BE49-F238E27FC236}">
+                <a16:creationId xmlns:a16="http://schemas.microsoft.com/office/drawing/2014/main" id="{4A2B3065-1045-3A96-CA85-65F1A9FD1AE3}"/>
+              </a:ext>
+            </a:extLst>
+          </p:cNvPr>
+          <p:cNvSpPr txBox="1"/>
+          <p:nvPr/>
+        </p:nvSpPr>
+        <p:spPr>
+          <a:xfrm>
+            <a:off x="1359186" y="458162"/>
+            <a:ext cx="7358743" cy="769441"/>
+          </a:xfrm>
+          <a:prstGeom prst="rect">
+            <a:avLst/>
+          </a:prstGeom>
+          <a:noFill/>
+        </p:spPr>
+        <p:txBody>
+          <a:bodyPr wrap="square">
+            <a:spAutoFit/>
+          </a:bodyPr>
+          <a:lstStyle/>
+          <a:p>
+            <a:r>
+              <a:rPr lang="nl-BE" sz="4400" dirty="0">
+                <a:solidFill>
+                  <a:srgbClr val="191B0E"/>
+                </a:solidFill>
+                <a:latin typeface="Franklin Gothic Book"/>
+                <a:ea typeface="+mj-ea"/>
+                <a:cs typeface="+mj-cs"/>
+              </a:rPr>
+              <a:t>Performance </a:t>
+            </a:r>
+            <a:r>
+              <a:rPr lang="nl-BE" sz="4400" dirty="0" err="1">
+                <a:solidFill>
+                  <a:srgbClr val="191B0E"/>
+                </a:solidFill>
+                <a:latin typeface="Franklin Gothic Book"/>
+                <a:ea typeface="+mj-ea"/>
+                <a:cs typeface="+mj-cs"/>
+              </a:rPr>
+              <a:t>Characteristics</a:t>
+            </a:r>
+            <a:endParaRPr lang="nl-BE" sz="4400" dirty="0">
+              <a:solidFill>
+                <a:srgbClr val="191B0E"/>
+              </a:solidFill>
+              <a:latin typeface="Franklin Gothic Book"/>
+              <a:ea typeface="+mj-ea"/>
+              <a:cs typeface="+mj-cs"/>
+            </a:endParaRPr>
+          </a:p>
+        </p:txBody>
+      </p:sp>
     </p:spTree>
   </p:cSld>
   <p:clrMapOvr>
